--- a/Slides/PH223_Lecture_32.pptx
+++ b/Slides/PH223_Lecture_32.pptx
@@ -166,16 +166,32 @@
 </p:presentation>
 </file>
 
-<file path=ppt/revisionInfo.xml><?xml version="1.0" encoding="utf-8"?>
-<p1510:revInfo xmlns:a="http://schemas.openxmlformats.org/drawingml/2006/main" xmlns:r="http://schemas.openxmlformats.org/officeDocument/2006/relationships" xmlns:p1510="http://schemas.microsoft.com/office/powerpoint/2015/10/main">
-  <p1510:revLst>
-    <p1510:client id="{D3357100-C15F-4183-B7DF-9FFD6B364804}" v="278" dt="2023-11-02T23:28:33.596"/>
-  </p1510:revLst>
-</p1510:revInfo>
-</file>
-
 <file path=ppt/changesInfos/changesInfo1.xml><?xml version="1.0" encoding="utf-8"?>
 <pc:chgInfo xmlns:a="http://schemas.openxmlformats.org/drawingml/2006/main" xmlns:r="http://schemas.openxmlformats.org/officeDocument/2006/relationships" xmlns:ac="http://schemas.microsoft.com/office/drawing/2013/main/command" xmlns:pc="http://schemas.microsoft.com/office/powerpoint/2013/main/command">
+  <pc:docChgLst>
+    <pc:chgData name="Lines, Todd" userId="afaf7c3a-e8aa-4568-882a-02ad8f9e19b0" providerId="ADAL" clId="{37036659-BDE3-4B58-AA86-15475419174F}"/>
+    <pc:docChg chg="modSld">
+      <pc:chgData name="Lines, Todd" userId="afaf7c3a-e8aa-4568-882a-02ad8f9e19b0" providerId="ADAL" clId="{37036659-BDE3-4B58-AA86-15475419174F}" dt="2024-03-05T23:01:03.102" v="5" actId="6549"/>
+      <pc:docMkLst>
+        <pc:docMk/>
+      </pc:docMkLst>
+      <pc:sldChg chg="modSp mod">
+        <pc:chgData name="Lines, Todd" userId="afaf7c3a-e8aa-4568-882a-02ad8f9e19b0" providerId="ADAL" clId="{37036659-BDE3-4B58-AA86-15475419174F}" dt="2024-03-05T23:01:03.102" v="5" actId="6549"/>
+        <pc:sldMkLst>
+          <pc:docMk/>
+          <pc:sldMk cId="3222375172" sldId="1432"/>
+        </pc:sldMkLst>
+        <pc:spChg chg="mod">
+          <ac:chgData name="Lines, Todd" userId="afaf7c3a-e8aa-4568-882a-02ad8f9e19b0" providerId="ADAL" clId="{37036659-BDE3-4B58-AA86-15475419174F}" dt="2024-03-05T23:01:03.102" v="5" actId="6549"/>
+          <ac:spMkLst>
+            <pc:docMk/>
+            <pc:sldMk cId="3222375172" sldId="1432"/>
+            <ac:spMk id="3" creationId="{00000000-0000-0000-0000-000000000000}"/>
+          </ac:spMkLst>
+        </pc:spChg>
+      </pc:sldChg>
+    </pc:docChg>
+  </pc:docChgLst>
   <pc:docChgLst>
     <pc:chgData name="Lines, Todd" userId="afaf7c3a-e8aa-4568-882a-02ad8f9e19b0" providerId="ADAL" clId="{D3357100-C15F-4183-B7DF-9FFD6B364804}"/>
     <pc:docChg chg="custSel addSld delSld modSld sldOrd">
@@ -1164,7 +1180,7 @@
           <a:p>
             <a:fld id="{564DEA16-27BB-4C42-8376-38DEA3434E03}" type="datetimeFigureOut">
               <a:rPr lang="en-US" smtClean="0"/>
-              <a:t>11/2/2023</a:t>
+              <a:t>3/5/2024</a:t>
             </a:fld>
             <a:endParaRPr lang="en-US"/>
           </a:p>
@@ -2031,7 +2047,7 @@
             <a:fld id="{FF63C9FC-D98D-450F-8666-DAE5A2C35D6D}" type="datetimeFigureOut">
               <a:rPr lang="en-US" smtClean="0"/>
               <a:pPr/>
-              <a:t>11/2/2023</a:t>
+              <a:t>3/5/2024</a:t>
             </a:fld>
             <a:endParaRPr lang="en-US"/>
           </a:p>
@@ -2196,7 +2212,7 @@
             <a:fld id="{FF63C9FC-D98D-450F-8666-DAE5A2C35D6D}" type="datetimeFigureOut">
               <a:rPr lang="en-US" smtClean="0"/>
               <a:pPr/>
-              <a:t>11/2/2023</a:t>
+              <a:t>3/5/2024</a:t>
             </a:fld>
             <a:endParaRPr lang="en-US"/>
           </a:p>
@@ -2371,7 +2387,7 @@
             <a:fld id="{FF63C9FC-D98D-450F-8666-DAE5A2C35D6D}" type="datetimeFigureOut">
               <a:rPr lang="en-US" smtClean="0"/>
               <a:pPr/>
-              <a:t>11/2/2023</a:t>
+              <a:t>3/5/2024</a:t>
             </a:fld>
             <a:endParaRPr lang="en-US"/>
           </a:p>
@@ -2536,7 +2552,7 @@
             <a:fld id="{FF63C9FC-D98D-450F-8666-DAE5A2C35D6D}" type="datetimeFigureOut">
               <a:rPr lang="en-US" smtClean="0"/>
               <a:pPr/>
-              <a:t>11/2/2023</a:t>
+              <a:t>3/5/2024</a:t>
             </a:fld>
             <a:endParaRPr lang="en-US"/>
           </a:p>
@@ -2778,7 +2794,7 @@
             <a:fld id="{FF63C9FC-D98D-450F-8666-DAE5A2C35D6D}" type="datetimeFigureOut">
               <a:rPr lang="en-US" smtClean="0"/>
               <a:pPr/>
-              <a:t>11/2/2023</a:t>
+              <a:t>3/5/2024</a:t>
             </a:fld>
             <a:endParaRPr lang="en-US"/>
           </a:p>
@@ -3060,7 +3076,7 @@
             <a:fld id="{FF63C9FC-D98D-450F-8666-DAE5A2C35D6D}" type="datetimeFigureOut">
               <a:rPr lang="en-US" smtClean="0"/>
               <a:pPr/>
-              <a:t>11/2/2023</a:t>
+              <a:t>3/5/2024</a:t>
             </a:fld>
             <a:endParaRPr lang="en-US"/>
           </a:p>
@@ -3476,7 +3492,7 @@
             <a:fld id="{FF63C9FC-D98D-450F-8666-DAE5A2C35D6D}" type="datetimeFigureOut">
               <a:rPr lang="en-US" smtClean="0"/>
               <a:pPr/>
-              <a:t>11/2/2023</a:t>
+              <a:t>3/5/2024</a:t>
             </a:fld>
             <a:endParaRPr lang="en-US"/>
           </a:p>
@@ -3590,7 +3606,7 @@
             <a:fld id="{FF63C9FC-D98D-450F-8666-DAE5A2C35D6D}" type="datetimeFigureOut">
               <a:rPr lang="en-US" smtClean="0"/>
               <a:pPr/>
-              <a:t>11/2/2023</a:t>
+              <a:t>3/5/2024</a:t>
             </a:fld>
             <a:endParaRPr lang="en-US"/>
           </a:p>
@@ -3682,7 +3698,7 @@
             <a:fld id="{FF63C9FC-D98D-450F-8666-DAE5A2C35D6D}" type="datetimeFigureOut">
               <a:rPr lang="en-US" smtClean="0"/>
               <a:pPr/>
-              <a:t>11/2/2023</a:t>
+              <a:t>3/5/2024</a:t>
             </a:fld>
             <a:endParaRPr lang="en-US"/>
           </a:p>
@@ -3954,7 +3970,7 @@
             <a:fld id="{FF63C9FC-D98D-450F-8666-DAE5A2C35D6D}" type="datetimeFigureOut">
               <a:rPr lang="en-US" smtClean="0"/>
               <a:pPr/>
-              <a:t>11/2/2023</a:t>
+              <a:t>3/5/2024</a:t>
             </a:fld>
             <a:endParaRPr lang="en-US"/>
           </a:p>
@@ -4203,7 +4219,7 @@
             <a:fld id="{FF63C9FC-D98D-450F-8666-DAE5A2C35D6D}" type="datetimeFigureOut">
               <a:rPr lang="en-US" smtClean="0"/>
               <a:pPr/>
-              <a:t>11/2/2023</a:t>
+              <a:t>3/5/2024</a:t>
             </a:fld>
             <a:endParaRPr lang="en-US"/>
           </a:p>
@@ -4411,7 +4427,7 @@
             <a:fld id="{FF63C9FC-D98D-450F-8666-DAE5A2C35D6D}" type="datetimeFigureOut">
               <a:rPr lang="en-US" smtClean="0"/>
               <a:pPr/>
-              <a:t>11/2/2023</a:t>
+              <a:t>3/5/2024</a:t>
             </a:fld>
             <a:endParaRPr lang="en-US"/>
           </a:p>
@@ -4943,8 +4959,8 @@
           </a:p>
         </p:txBody>
       </p:sp>
-      <mc:AlternateContent xmlns:mc="http://schemas.openxmlformats.org/markup-compatibility/2006">
-        <mc:Choice xmlns:a14="http://schemas.microsoft.com/office/drawing/2010/main" Requires="a14">
+      <mc:AlternateContent xmlns:mc="http://schemas.openxmlformats.org/markup-compatibility/2006" xmlns:a14="http://schemas.microsoft.com/office/drawing/2010/main">
+        <mc:Choice Requires="a14">
           <p:sp>
             <p:nvSpPr>
               <p:cNvPr id="3" name="Content Placeholder 2"/>
@@ -5629,7 +5645,7 @@
             </p:txBody>
           </p:sp>
         </mc:Choice>
-        <mc:Fallback>
+        <mc:Fallback xmlns="">
           <p:sp>
             <p:nvSpPr>
               <p:cNvPr id="3" name="Content Placeholder 2"/>
@@ -8180,8 +8196,8 @@
           </a:p>
         </p:txBody>
       </p:sp>
-      <mc:AlternateContent xmlns:mc="http://schemas.openxmlformats.org/markup-compatibility/2006">
-        <mc:Choice xmlns:a14="http://schemas.microsoft.com/office/drawing/2010/main" Requires="a14">
+      <mc:AlternateContent xmlns:mc="http://schemas.openxmlformats.org/markup-compatibility/2006" xmlns:a14="http://schemas.microsoft.com/office/drawing/2010/main">
+        <mc:Choice Requires="a14">
           <p:sp>
             <p:nvSpPr>
               <p:cNvPr id="3" name="Content Placeholder 2"/>
@@ -8836,7 +8852,7 @@
             </p:txBody>
           </p:sp>
         </mc:Choice>
-        <mc:Fallback>
+        <mc:Fallback xmlns="">
           <p:sp>
             <p:nvSpPr>
               <p:cNvPr id="3" name="Content Placeholder 2"/>
@@ -11483,8 +11499,8 @@
           </a:p>
         </p:txBody>
       </p:sp>
-      <mc:AlternateContent xmlns:mc="http://schemas.openxmlformats.org/markup-compatibility/2006">
-        <mc:Choice xmlns:a14="http://schemas.microsoft.com/office/drawing/2010/main" Requires="a14">
+      <mc:AlternateContent xmlns:mc="http://schemas.openxmlformats.org/markup-compatibility/2006" xmlns:a14="http://schemas.microsoft.com/office/drawing/2010/main">
+        <mc:Choice Requires="a14">
           <p:sp>
             <p:nvSpPr>
               <p:cNvPr id="3" name="Content Placeholder 2"/>
@@ -11870,7 +11886,7 @@
             </p:txBody>
           </p:sp>
         </mc:Choice>
-        <mc:Fallback>
+        <mc:Fallback xmlns="">
           <p:sp>
             <p:nvSpPr>
               <p:cNvPr id="3" name="Content Placeholder 2"/>
@@ -35850,7 +35866,7 @@
             </a:pPr>
             <a:r>
               <a:rPr lang="en-US" dirty="0"/>
-              <a:t>A) Kirchhoff's loop law</a:t>
+              <a:t>Kirchhoff's loop law</a:t>
             </a:r>
           </a:p>
           <a:p>
@@ -35860,7 +35876,7 @@
             </a:pPr>
             <a:r>
               <a:rPr lang="en-US" dirty="0"/>
-              <a:t>B) conservation of energy</a:t>
+              <a:t>conservation of energy</a:t>
             </a:r>
           </a:p>
           <a:p>
@@ -35869,12 +35885,8 @@
               <a:buAutoNum type="alphaLcParenR"/>
             </a:pPr>
             <a:r>
-              <a:rPr lang="en-US"/>
-              <a:t>Wheatstone's </a:t>
-            </a:r>
-            <a:r>
               <a:rPr lang="en-US" dirty="0"/>
-              <a:t>law</a:t>
+              <a:t>Wheatstone's law</a:t>
             </a:r>
           </a:p>
           <a:p>
@@ -36111,8 +36123,8 @@
           </a:p>
         </p:txBody>
       </p:sp>
-      <mc:AlternateContent xmlns:mc="http://schemas.openxmlformats.org/markup-compatibility/2006">
-        <mc:Choice xmlns:a14="http://schemas.microsoft.com/office/drawing/2010/main" Requires="a14">
+      <mc:AlternateContent xmlns:mc="http://schemas.openxmlformats.org/markup-compatibility/2006" xmlns:a14="http://schemas.microsoft.com/office/drawing/2010/main">
+        <mc:Choice Requires="a14">
           <p:sp>
             <p:nvSpPr>
               <p:cNvPr id="3" name="Content Placeholder 2"/>
@@ -36596,7 +36608,7 @@
             </p:txBody>
           </p:sp>
         </mc:Choice>
-        <mc:Fallback>
+        <mc:Fallback xmlns="">
           <p:sp>
             <p:nvSpPr>
               <p:cNvPr id="3" name="Content Placeholder 2"/>
@@ -39368,8 +39380,8 @@
           </a:p>
         </p:txBody>
       </p:sp>
-      <mc:AlternateContent xmlns:mc="http://schemas.openxmlformats.org/markup-compatibility/2006">
-        <mc:Choice xmlns:a14="http://schemas.microsoft.com/office/drawing/2010/main" Requires="a14">
+      <mc:AlternateContent xmlns:mc="http://schemas.openxmlformats.org/markup-compatibility/2006" xmlns:a14="http://schemas.microsoft.com/office/drawing/2010/main">
+        <mc:Choice Requires="a14">
           <p:sp>
             <p:nvSpPr>
               <p:cNvPr id="3" name="Content Placeholder 2"/>
@@ -39875,7 +39887,7 @@
             </p:txBody>
           </p:sp>
         </mc:Choice>
-        <mc:Fallback>
+        <mc:Fallback xmlns="">
           <p:sp>
             <p:nvSpPr>
               <p:cNvPr id="3" name="Content Placeholder 2"/>

--- a/Slides/PH223_Lecture_32.pptx
+++ b/Slides/PH223_Lecture_32.pptx
@@ -187,6 +187,30 @@
             <pc:docMk/>
             <pc:sldMk cId="3222375172" sldId="1432"/>
             <ac:spMk id="3" creationId="{00000000-0000-0000-0000-000000000000}"/>
+          </ac:spMkLst>
+        </pc:spChg>
+      </pc:sldChg>
+    </pc:docChg>
+  </pc:docChgLst>
+  <pc:docChgLst>
+    <pc:chgData name="Lines, Todd" userId="afaf7c3a-e8aa-4568-882a-02ad8f9e19b0" providerId="ADAL" clId="{D8F1E670-6E86-45DB-9AE6-746DDBE4C86C}"/>
+    <pc:docChg chg="custSel modSld">
+      <pc:chgData name="Lines, Todd" userId="afaf7c3a-e8aa-4568-882a-02ad8f9e19b0" providerId="ADAL" clId="{D8F1E670-6E86-45DB-9AE6-746DDBE4C86C}" dt="2024-06-14T17:19:09.401" v="5" actId="11"/>
+      <pc:docMkLst>
+        <pc:docMk/>
+      </pc:docMkLst>
+      <pc:sldChg chg="modSp mod">
+        <pc:chgData name="Lines, Todd" userId="afaf7c3a-e8aa-4568-882a-02ad8f9e19b0" providerId="ADAL" clId="{D8F1E670-6E86-45DB-9AE6-746DDBE4C86C}" dt="2024-06-14T17:19:09.401" v="5" actId="11"/>
+        <pc:sldMkLst>
+          <pc:docMk/>
+          <pc:sldMk cId="2080041333" sldId="1445"/>
+        </pc:sldMkLst>
+        <pc:spChg chg="mod">
+          <ac:chgData name="Lines, Todd" userId="afaf7c3a-e8aa-4568-882a-02ad8f9e19b0" providerId="ADAL" clId="{D8F1E670-6E86-45DB-9AE6-746DDBE4C86C}" dt="2024-06-14T17:19:09.401" v="5" actId="11"/>
+          <ac:spMkLst>
+            <pc:docMk/>
+            <pc:sldMk cId="2080041333" sldId="1445"/>
+            <ac:spMk id="4" creationId="{9A30506A-D23B-206C-DE3F-D7B20224CB88}"/>
           </ac:spMkLst>
         </pc:spChg>
       </pc:sldChg>
@@ -1180,7 +1204,7 @@
           <a:p>
             <a:fld id="{564DEA16-27BB-4C42-8376-38DEA3434E03}" type="datetimeFigureOut">
               <a:rPr lang="en-US" smtClean="0"/>
-              <a:t>3/5/2024</a:t>
+              <a:t>6/14/2024</a:t>
             </a:fld>
             <a:endParaRPr lang="en-US"/>
           </a:p>
@@ -2047,7 +2071,7 @@
             <a:fld id="{FF63C9FC-D98D-450F-8666-DAE5A2C35D6D}" type="datetimeFigureOut">
               <a:rPr lang="en-US" smtClean="0"/>
               <a:pPr/>
-              <a:t>3/5/2024</a:t>
+              <a:t>6/14/2024</a:t>
             </a:fld>
             <a:endParaRPr lang="en-US"/>
           </a:p>
@@ -2212,7 +2236,7 @@
             <a:fld id="{FF63C9FC-D98D-450F-8666-DAE5A2C35D6D}" type="datetimeFigureOut">
               <a:rPr lang="en-US" smtClean="0"/>
               <a:pPr/>
-              <a:t>3/5/2024</a:t>
+              <a:t>6/14/2024</a:t>
             </a:fld>
             <a:endParaRPr lang="en-US"/>
           </a:p>
@@ -2387,7 +2411,7 @@
             <a:fld id="{FF63C9FC-D98D-450F-8666-DAE5A2C35D6D}" type="datetimeFigureOut">
               <a:rPr lang="en-US" smtClean="0"/>
               <a:pPr/>
-              <a:t>3/5/2024</a:t>
+              <a:t>6/14/2024</a:t>
             </a:fld>
             <a:endParaRPr lang="en-US"/>
           </a:p>
@@ -2552,7 +2576,7 @@
             <a:fld id="{FF63C9FC-D98D-450F-8666-DAE5A2C35D6D}" type="datetimeFigureOut">
               <a:rPr lang="en-US" smtClean="0"/>
               <a:pPr/>
-              <a:t>3/5/2024</a:t>
+              <a:t>6/14/2024</a:t>
             </a:fld>
             <a:endParaRPr lang="en-US"/>
           </a:p>
@@ -2794,7 +2818,7 @@
             <a:fld id="{FF63C9FC-D98D-450F-8666-DAE5A2C35D6D}" type="datetimeFigureOut">
               <a:rPr lang="en-US" smtClean="0"/>
               <a:pPr/>
-              <a:t>3/5/2024</a:t>
+              <a:t>6/14/2024</a:t>
             </a:fld>
             <a:endParaRPr lang="en-US"/>
           </a:p>
@@ -3076,7 +3100,7 @@
             <a:fld id="{FF63C9FC-D98D-450F-8666-DAE5A2C35D6D}" type="datetimeFigureOut">
               <a:rPr lang="en-US" smtClean="0"/>
               <a:pPr/>
-              <a:t>3/5/2024</a:t>
+              <a:t>6/14/2024</a:t>
             </a:fld>
             <a:endParaRPr lang="en-US"/>
           </a:p>
@@ -3492,7 +3516,7 @@
             <a:fld id="{FF63C9FC-D98D-450F-8666-DAE5A2C35D6D}" type="datetimeFigureOut">
               <a:rPr lang="en-US" smtClean="0"/>
               <a:pPr/>
-              <a:t>3/5/2024</a:t>
+              <a:t>6/14/2024</a:t>
             </a:fld>
             <a:endParaRPr lang="en-US"/>
           </a:p>
@@ -3606,7 +3630,7 @@
             <a:fld id="{FF63C9FC-D98D-450F-8666-DAE5A2C35D6D}" type="datetimeFigureOut">
               <a:rPr lang="en-US" smtClean="0"/>
               <a:pPr/>
-              <a:t>3/5/2024</a:t>
+              <a:t>6/14/2024</a:t>
             </a:fld>
             <a:endParaRPr lang="en-US"/>
           </a:p>
@@ -3698,7 +3722,7 @@
             <a:fld id="{FF63C9FC-D98D-450F-8666-DAE5A2C35D6D}" type="datetimeFigureOut">
               <a:rPr lang="en-US" smtClean="0"/>
               <a:pPr/>
-              <a:t>3/5/2024</a:t>
+              <a:t>6/14/2024</a:t>
             </a:fld>
             <a:endParaRPr lang="en-US"/>
           </a:p>
@@ -3970,7 +3994,7 @@
             <a:fld id="{FF63C9FC-D98D-450F-8666-DAE5A2C35D6D}" type="datetimeFigureOut">
               <a:rPr lang="en-US" smtClean="0"/>
               <a:pPr/>
-              <a:t>3/5/2024</a:t>
+              <a:t>6/14/2024</a:t>
             </a:fld>
             <a:endParaRPr lang="en-US"/>
           </a:p>
@@ -4219,7 +4243,7 @@
             <a:fld id="{FF63C9FC-D98D-450F-8666-DAE5A2C35D6D}" type="datetimeFigureOut">
               <a:rPr lang="en-US" smtClean="0"/>
               <a:pPr/>
-              <a:t>3/5/2024</a:t>
+              <a:t>6/14/2024</a:t>
             </a:fld>
             <a:endParaRPr lang="en-US"/>
           </a:p>
@@ -4427,7 +4451,7 @@
             <a:fld id="{FF63C9FC-D98D-450F-8666-DAE5A2C35D6D}" type="datetimeFigureOut">
               <a:rPr lang="en-US" smtClean="0"/>
               <a:pPr/>
-              <a:t>3/5/2024</a:t>
+              <a:t>6/14/2024</a:t>
             </a:fld>
             <a:endParaRPr lang="en-US"/>
           </a:p>
@@ -32735,7 +32759,7 @@
             </a:pPr>
             <a:r>
               <a:rPr lang="en-US" dirty="0"/>
-              <a:t>Suppose a particular type of batter has a voltage of 1.5V. If I put two batteries together what is the electric potential difference from the bottom of the first battery to the top of the second battery? 400J</a:t>
+              <a:t>Suppose a particular type of batter has a voltage of 1.5V. If I put two batteries together what is the electric potential difference from the bottom of the first battery to the top of the second battery? </a:t>
             </a:r>
           </a:p>
           <a:p>

--- a/Slides/PH223_Lecture_32.pptx
+++ b/Slides/PH223_Lecture_32.pptx
@@ -166,6 +166,14 @@
 </p:presentation>
 </file>
 
+<file path=ppt/revisionInfo.xml><?xml version="1.0" encoding="utf-8"?>
+<p1510:revInfo xmlns:a="http://schemas.openxmlformats.org/drawingml/2006/main" xmlns:r="http://schemas.openxmlformats.org/officeDocument/2006/relationships" xmlns:p1510="http://schemas.microsoft.com/office/powerpoint/2015/10/main">
+  <p1510:revLst>
+    <p1510:client id="{B90322CF-17D3-400D-817F-6C5393075580}" v="26" dt="2024-11-07T17:52:21.412"/>
+  </p1510:revLst>
+</p1510:revInfo>
+</file>
+
 <file path=ppt/changesInfos/changesInfo1.xml><?xml version="1.0" encoding="utf-8"?>
 <pc:chgInfo xmlns:a="http://schemas.openxmlformats.org/drawingml/2006/main" xmlns:r="http://schemas.openxmlformats.org/officeDocument/2006/relationships" xmlns:ac="http://schemas.microsoft.com/office/drawing/2013/main/command" xmlns:pc="http://schemas.microsoft.com/office/powerpoint/2013/main/command">
   <pc:docChgLst>
@@ -187,6 +195,60 @@
             <pc:docMk/>
             <pc:sldMk cId="3222375172" sldId="1432"/>
             <ac:spMk id="3" creationId="{00000000-0000-0000-0000-000000000000}"/>
+          </ac:spMkLst>
+        </pc:spChg>
+      </pc:sldChg>
+    </pc:docChg>
+  </pc:docChgLst>
+  <pc:docChgLst>
+    <pc:chgData name="Lines, Todd" userId="afaf7c3a-e8aa-4568-882a-02ad8f9e19b0" providerId="ADAL" clId="{B90322CF-17D3-400D-817F-6C5393075580}"/>
+    <pc:docChg chg="modSld">
+      <pc:chgData name="Lines, Todd" userId="afaf7c3a-e8aa-4568-882a-02ad8f9e19b0" providerId="ADAL" clId="{B90322CF-17D3-400D-817F-6C5393075580}" dt="2024-11-07T18:03:22.821" v="28" actId="20577"/>
+      <pc:docMkLst>
+        <pc:docMk/>
+      </pc:docMkLst>
+      <pc:sldChg chg="modSp mod">
+        <pc:chgData name="Lines, Todd" userId="afaf7c3a-e8aa-4568-882a-02ad8f9e19b0" providerId="ADAL" clId="{B90322CF-17D3-400D-817F-6C5393075580}" dt="2024-11-07T17:51:57.105" v="26" actId="20577"/>
+        <pc:sldMkLst>
+          <pc:docMk/>
+          <pc:sldMk cId="2880780699" sldId="1439"/>
+        </pc:sldMkLst>
+        <pc:spChg chg="mod">
+          <ac:chgData name="Lines, Todd" userId="afaf7c3a-e8aa-4568-882a-02ad8f9e19b0" providerId="ADAL" clId="{B90322CF-17D3-400D-817F-6C5393075580}" dt="2024-11-07T17:51:57.105" v="26" actId="20577"/>
+          <ac:spMkLst>
+            <pc:docMk/>
+            <pc:sldMk cId="2880780699" sldId="1439"/>
+            <ac:spMk id="3" creationId="{00000000-0000-0000-0000-000000000000}"/>
+          </ac:spMkLst>
+        </pc:spChg>
+      </pc:sldChg>
+      <pc:sldChg chg="modSp">
+        <pc:chgData name="Lines, Todd" userId="afaf7c3a-e8aa-4568-882a-02ad8f9e19b0" providerId="ADAL" clId="{B90322CF-17D3-400D-817F-6C5393075580}" dt="2024-11-07T17:52:21.412" v="27" actId="20577"/>
+        <pc:sldMkLst>
+          <pc:docMk/>
+          <pc:sldMk cId="986807166" sldId="1440"/>
+        </pc:sldMkLst>
+        <pc:spChg chg="mod">
+          <ac:chgData name="Lines, Todd" userId="afaf7c3a-e8aa-4568-882a-02ad8f9e19b0" providerId="ADAL" clId="{B90322CF-17D3-400D-817F-6C5393075580}" dt="2024-11-07T17:52:21.412" v="27" actId="20577"/>
+          <ac:spMkLst>
+            <pc:docMk/>
+            <pc:sldMk cId="986807166" sldId="1440"/>
+            <ac:spMk id="3" creationId="{00000000-0000-0000-0000-000000000000}"/>
+          </ac:spMkLst>
+        </pc:spChg>
+      </pc:sldChg>
+      <pc:sldChg chg="modSp mod">
+        <pc:chgData name="Lines, Todd" userId="afaf7c3a-e8aa-4568-882a-02ad8f9e19b0" providerId="ADAL" clId="{B90322CF-17D3-400D-817F-6C5393075580}" dt="2024-11-07T18:03:22.821" v="28" actId="20577"/>
+        <pc:sldMkLst>
+          <pc:docMk/>
+          <pc:sldMk cId="2080041333" sldId="1445"/>
+        </pc:sldMkLst>
+        <pc:spChg chg="mod">
+          <ac:chgData name="Lines, Todd" userId="afaf7c3a-e8aa-4568-882a-02ad8f9e19b0" providerId="ADAL" clId="{B90322CF-17D3-400D-817F-6C5393075580}" dt="2024-11-07T18:03:22.821" v="28" actId="20577"/>
+          <ac:spMkLst>
+            <pc:docMk/>
+            <pc:sldMk cId="2080041333" sldId="1445"/>
+            <ac:spMk id="4" creationId="{9A30506A-D23B-206C-DE3F-D7B20224CB88}"/>
           </ac:spMkLst>
         </pc:spChg>
       </pc:sldChg>
@@ -1204,7 +1266,7 @@
           <a:p>
             <a:fld id="{564DEA16-27BB-4C42-8376-38DEA3434E03}" type="datetimeFigureOut">
               <a:rPr lang="en-US" smtClean="0"/>
-              <a:t>6/14/2024</a:t>
+              <a:t>11/7/2024</a:t>
             </a:fld>
             <a:endParaRPr lang="en-US"/>
           </a:p>
@@ -2071,7 +2133,7 @@
             <a:fld id="{FF63C9FC-D98D-450F-8666-DAE5A2C35D6D}" type="datetimeFigureOut">
               <a:rPr lang="en-US" smtClean="0"/>
               <a:pPr/>
-              <a:t>6/14/2024</a:t>
+              <a:t>11/7/2024</a:t>
             </a:fld>
             <a:endParaRPr lang="en-US"/>
           </a:p>
@@ -2236,7 +2298,7 @@
             <a:fld id="{FF63C9FC-D98D-450F-8666-DAE5A2C35D6D}" type="datetimeFigureOut">
               <a:rPr lang="en-US" smtClean="0"/>
               <a:pPr/>
-              <a:t>6/14/2024</a:t>
+              <a:t>11/7/2024</a:t>
             </a:fld>
             <a:endParaRPr lang="en-US"/>
           </a:p>
@@ -2411,7 +2473,7 @@
             <a:fld id="{FF63C9FC-D98D-450F-8666-DAE5A2C35D6D}" type="datetimeFigureOut">
               <a:rPr lang="en-US" smtClean="0"/>
               <a:pPr/>
-              <a:t>6/14/2024</a:t>
+              <a:t>11/7/2024</a:t>
             </a:fld>
             <a:endParaRPr lang="en-US"/>
           </a:p>
@@ -2576,7 +2638,7 @@
             <a:fld id="{FF63C9FC-D98D-450F-8666-DAE5A2C35D6D}" type="datetimeFigureOut">
               <a:rPr lang="en-US" smtClean="0"/>
               <a:pPr/>
-              <a:t>6/14/2024</a:t>
+              <a:t>11/7/2024</a:t>
             </a:fld>
             <a:endParaRPr lang="en-US"/>
           </a:p>
@@ -2818,7 +2880,7 @@
             <a:fld id="{FF63C9FC-D98D-450F-8666-DAE5A2C35D6D}" type="datetimeFigureOut">
               <a:rPr lang="en-US" smtClean="0"/>
               <a:pPr/>
-              <a:t>6/14/2024</a:t>
+              <a:t>11/7/2024</a:t>
             </a:fld>
             <a:endParaRPr lang="en-US"/>
           </a:p>
@@ -3100,7 +3162,7 @@
             <a:fld id="{FF63C9FC-D98D-450F-8666-DAE5A2C35D6D}" type="datetimeFigureOut">
               <a:rPr lang="en-US" smtClean="0"/>
               <a:pPr/>
-              <a:t>6/14/2024</a:t>
+              <a:t>11/7/2024</a:t>
             </a:fld>
             <a:endParaRPr lang="en-US"/>
           </a:p>
@@ -3516,7 +3578,7 @@
             <a:fld id="{FF63C9FC-D98D-450F-8666-DAE5A2C35D6D}" type="datetimeFigureOut">
               <a:rPr lang="en-US" smtClean="0"/>
               <a:pPr/>
-              <a:t>6/14/2024</a:t>
+              <a:t>11/7/2024</a:t>
             </a:fld>
             <a:endParaRPr lang="en-US"/>
           </a:p>
@@ -3630,7 +3692,7 @@
             <a:fld id="{FF63C9FC-D98D-450F-8666-DAE5A2C35D6D}" type="datetimeFigureOut">
               <a:rPr lang="en-US" smtClean="0"/>
               <a:pPr/>
-              <a:t>6/14/2024</a:t>
+              <a:t>11/7/2024</a:t>
             </a:fld>
             <a:endParaRPr lang="en-US"/>
           </a:p>
@@ -3722,7 +3784,7 @@
             <a:fld id="{FF63C9FC-D98D-450F-8666-DAE5A2C35D6D}" type="datetimeFigureOut">
               <a:rPr lang="en-US" smtClean="0"/>
               <a:pPr/>
-              <a:t>6/14/2024</a:t>
+              <a:t>11/7/2024</a:t>
             </a:fld>
             <a:endParaRPr lang="en-US"/>
           </a:p>
@@ -3994,7 +4056,7 @@
             <a:fld id="{FF63C9FC-D98D-450F-8666-DAE5A2C35D6D}" type="datetimeFigureOut">
               <a:rPr lang="en-US" smtClean="0"/>
               <a:pPr/>
-              <a:t>6/14/2024</a:t>
+              <a:t>11/7/2024</a:t>
             </a:fld>
             <a:endParaRPr lang="en-US"/>
           </a:p>
@@ -4243,7 +4305,7 @@
             <a:fld id="{FF63C9FC-D98D-450F-8666-DAE5A2C35D6D}" type="datetimeFigureOut">
               <a:rPr lang="en-US" smtClean="0"/>
               <a:pPr/>
-              <a:t>6/14/2024</a:t>
+              <a:t>11/7/2024</a:t>
             </a:fld>
             <a:endParaRPr lang="en-US"/>
           </a:p>
@@ -4451,7 +4513,7 @@
             <a:fld id="{FF63C9FC-D98D-450F-8666-DAE5A2C35D6D}" type="datetimeFigureOut">
               <a:rPr lang="en-US" smtClean="0"/>
               <a:pPr/>
-              <a:t>6/14/2024</a:t>
+              <a:t>11/7/2024</a:t>
             </a:fld>
             <a:endParaRPr lang="en-US"/>
           </a:p>
@@ -8220,8 +8282,8 @@
           </a:p>
         </p:txBody>
       </p:sp>
-      <mc:AlternateContent xmlns:mc="http://schemas.openxmlformats.org/markup-compatibility/2006" xmlns:a14="http://schemas.microsoft.com/office/drawing/2010/main">
-        <mc:Choice Requires="a14">
+      <mc:AlternateContent xmlns:mc="http://schemas.openxmlformats.org/markup-compatibility/2006">
+        <mc:Choice xmlns:a14="http://schemas.microsoft.com/office/drawing/2010/main" Requires="a14">
           <p:sp>
             <p:nvSpPr>
               <p:cNvPr id="3" name="Content Placeholder 2"/>
@@ -8412,40 +8474,6 @@
                         <a:latin typeface="Cambria Math" panose="02040503050406030204" pitchFamily="18" charset="0"/>
                         <a:ea typeface="Cambria Math" panose="02040503050406030204" pitchFamily="18" charset="0"/>
                       </a:rPr>
-                      <m:t>𝑑</m:t>
-                    </m:r>
-                    <m:acc>
-                      <m:accPr>
-                        <m:chr m:val="⃗"/>
-                        <m:ctrlPr>
-                          <a:rPr lang="en-US" b="0" i="1" smtClean="0">
-                            <a:latin typeface="Cambria Math" panose="02040503050406030204" pitchFamily="18" charset="0"/>
-                            <a:ea typeface="Cambria Math" panose="02040503050406030204" pitchFamily="18" charset="0"/>
-                          </a:rPr>
-                        </m:ctrlPr>
-                      </m:accPr>
-                      <m:e>
-                        <m:r>
-                          <a:rPr lang="en-US" i="1">
-                            <a:latin typeface="Cambria Math" panose="02040503050406030204" pitchFamily="18" charset="0"/>
-                            <a:ea typeface="Cambria Math" panose="02040503050406030204" pitchFamily="18" charset="0"/>
-                          </a:rPr>
-                          <m:t>𝑠</m:t>
-                        </m:r>
-                      </m:e>
-                    </m:acc>
-                    <m:r>
-                      <a:rPr lang="en-US" b="0" i="1" smtClean="0">
-                        <a:latin typeface="Cambria Math" panose="02040503050406030204" pitchFamily="18" charset="0"/>
-                        <a:ea typeface="Cambria Math" panose="02040503050406030204" pitchFamily="18" charset="0"/>
-                      </a:rPr>
-                      <m:t>=</m:t>
-                    </m:r>
-                    <m:r>
-                      <a:rPr lang="en-US" b="0" i="1" smtClean="0">
-                        <a:latin typeface="Cambria Math" panose="02040503050406030204" pitchFamily="18" charset="0"/>
-                        <a:ea typeface="Cambria Math" panose="02040503050406030204" pitchFamily="18" charset="0"/>
-                      </a:rPr>
                       <m:t>𝑑𝑧</m:t>
                     </m:r>
                     <m:acc>
@@ -8492,40 +8520,6 @@
                       </a:rPr>
                       <m:t>𝑑</m:t>
                     </m:r>
-                    <m:acc>
-                      <m:accPr>
-                        <m:chr m:val="⃗"/>
-                        <m:ctrlPr>
-                          <a:rPr lang="en-US" b="0" i="1" smtClean="0">
-                            <a:latin typeface="Cambria Math" panose="02040503050406030204" pitchFamily="18" charset="0"/>
-                            <a:ea typeface="Cambria Math" panose="02040503050406030204" pitchFamily="18" charset="0"/>
-                          </a:rPr>
-                        </m:ctrlPr>
-                      </m:accPr>
-                      <m:e>
-                        <m:r>
-                          <a:rPr lang="en-US" i="1">
-                            <a:latin typeface="Cambria Math" panose="02040503050406030204" pitchFamily="18" charset="0"/>
-                            <a:ea typeface="Cambria Math" panose="02040503050406030204" pitchFamily="18" charset="0"/>
-                          </a:rPr>
-                          <m:t>𝑠</m:t>
-                        </m:r>
-                      </m:e>
-                    </m:acc>
-                    <m:r>
-                      <a:rPr lang="en-US" b="0" i="1" smtClean="0">
-                        <a:latin typeface="Cambria Math" panose="02040503050406030204" pitchFamily="18" charset="0"/>
-                        <a:ea typeface="Cambria Math" panose="02040503050406030204" pitchFamily="18" charset="0"/>
-                      </a:rPr>
-                      <m:t>=</m:t>
-                    </m:r>
-                    <m:r>
-                      <a:rPr lang="en-US" b="0" i="1" smtClean="0">
-                        <a:latin typeface="Cambria Math" panose="02040503050406030204" pitchFamily="18" charset="0"/>
-                        <a:ea typeface="Cambria Math" panose="02040503050406030204" pitchFamily="18" charset="0"/>
-                      </a:rPr>
-                      <m:t>𝑑</m:t>
-                    </m:r>
                     <m:r>
                       <a:rPr lang="en-US" b="0" i="1" smtClean="0">
                         <a:latin typeface="Cambria Math" panose="02040503050406030204" pitchFamily="18" charset="0"/>
@@ -8565,6 +8559,24 @@
                   <a:buFont typeface="+mj-lt"/>
                   <a:buAutoNum type="alphaLcParenR"/>
                 </a:pPr>
+                <a14:m>
+                  <m:oMath xmlns:m="http://schemas.openxmlformats.org/officeDocument/2006/math">
+                    <m:r>
+                      <a:rPr lang="en-US" b="0" i="1" smtClean="0">
+                        <a:latin typeface="Cambria Math" panose="02040503050406030204" pitchFamily="18" charset="0"/>
+                        <a:ea typeface="Cambria Math" panose="02040503050406030204" pitchFamily="18" charset="0"/>
+                      </a:rPr>
+                      <m:t>𝑑𝑟</m:t>
+                    </m:r>
+                  </m:oMath>
+                </a14:m>
+                <a:endParaRPr lang="en-US" b="1" dirty="0"/>
+              </a:p>
+              <a:p>
+                <a:pPr marL="514350" indent="-514350">
+                  <a:buFont typeface="+mj-lt"/>
+                  <a:buAutoNum type="alphaLcParenR"/>
+                </a:pPr>
                 <a:r>
                   <a:rPr lang="en-US" dirty="0">
                     <a:ea typeface="Cambria Math" panose="02040503050406030204" pitchFamily="18" charset="0"/>
@@ -8573,40 +8585,6 @@
                 </a:r>
                 <a14:m>
                   <m:oMath xmlns:m="http://schemas.openxmlformats.org/officeDocument/2006/math">
-                    <m:r>
-                      <a:rPr lang="en-US" i="1">
-                        <a:latin typeface="Cambria Math" panose="02040503050406030204" pitchFamily="18" charset="0"/>
-                        <a:ea typeface="Cambria Math" panose="02040503050406030204" pitchFamily="18" charset="0"/>
-                      </a:rPr>
-                      <m:t>𝑑</m:t>
-                    </m:r>
-                    <m:acc>
-                      <m:accPr>
-                        <m:chr m:val="⃗"/>
-                        <m:ctrlPr>
-                          <a:rPr lang="en-US" i="1">
-                            <a:latin typeface="Cambria Math" panose="02040503050406030204" pitchFamily="18" charset="0"/>
-                            <a:ea typeface="Cambria Math" panose="02040503050406030204" pitchFamily="18" charset="0"/>
-                          </a:rPr>
-                        </m:ctrlPr>
-                      </m:accPr>
-                      <m:e>
-                        <m:r>
-                          <a:rPr lang="en-US" i="1">
-                            <a:latin typeface="Cambria Math" panose="02040503050406030204" pitchFamily="18" charset="0"/>
-                            <a:ea typeface="Cambria Math" panose="02040503050406030204" pitchFamily="18" charset="0"/>
-                          </a:rPr>
-                          <m:t>𝑠</m:t>
-                        </m:r>
-                      </m:e>
-                    </m:acc>
-                    <m:r>
-                      <a:rPr lang="en-US" i="1">
-                        <a:latin typeface="Cambria Math" panose="02040503050406030204" pitchFamily="18" charset="0"/>
-                        <a:ea typeface="Cambria Math" panose="02040503050406030204" pitchFamily="18" charset="0"/>
-                      </a:rPr>
-                      <m:t>=</m:t>
-                    </m:r>
                     <m:r>
                       <a:rPr lang="en-US" i="1">
                         <a:latin typeface="Cambria Math" panose="02040503050406030204" pitchFamily="18" charset="0"/>
@@ -8733,40 +8711,6 @@
                       </a:rPr>
                       <m:t>𝑑</m:t>
                     </m:r>
-                    <m:acc>
-                      <m:accPr>
-                        <m:chr m:val="⃗"/>
-                        <m:ctrlPr>
-                          <a:rPr lang="en-US" i="1">
-                            <a:latin typeface="Cambria Math" panose="02040503050406030204" pitchFamily="18" charset="0"/>
-                            <a:ea typeface="Cambria Math" panose="02040503050406030204" pitchFamily="18" charset="0"/>
-                          </a:rPr>
-                        </m:ctrlPr>
-                      </m:accPr>
-                      <m:e>
-                        <m:r>
-                          <a:rPr lang="en-US" i="1">
-                            <a:latin typeface="Cambria Math" panose="02040503050406030204" pitchFamily="18" charset="0"/>
-                            <a:ea typeface="Cambria Math" panose="02040503050406030204" pitchFamily="18" charset="0"/>
-                          </a:rPr>
-                          <m:t>𝑠</m:t>
-                        </m:r>
-                      </m:e>
-                    </m:acc>
-                    <m:r>
-                      <a:rPr lang="en-US" i="1">
-                        <a:latin typeface="Cambria Math" panose="02040503050406030204" pitchFamily="18" charset="0"/>
-                        <a:ea typeface="Cambria Math" panose="02040503050406030204" pitchFamily="18" charset="0"/>
-                      </a:rPr>
-                      <m:t>=</m:t>
-                    </m:r>
-                    <m:r>
-                      <a:rPr lang="en-US" i="1">
-                        <a:latin typeface="Cambria Math" panose="02040503050406030204" pitchFamily="18" charset="0"/>
-                        <a:ea typeface="Cambria Math" panose="02040503050406030204" pitchFamily="18" charset="0"/>
-                      </a:rPr>
-                      <m:t>𝑑</m:t>
-                    </m:r>
                     <m:r>
                       <a:rPr lang="en-US" b="1" i="1" smtClean="0">
                         <a:latin typeface="Cambria Math" panose="02040503050406030204" pitchFamily="18" charset="0"/>
@@ -8876,7 +8820,7 @@
             </p:txBody>
           </p:sp>
         </mc:Choice>
-        <mc:Fallback xmlns="">
+        <mc:Fallback>
           <p:sp>
             <p:nvSpPr>
               <p:cNvPr id="3" name="Content Placeholder 2"/>
@@ -11523,8 +11467,8 @@
           </a:p>
         </p:txBody>
       </p:sp>
-      <mc:AlternateContent xmlns:mc="http://schemas.openxmlformats.org/markup-compatibility/2006" xmlns:a14="http://schemas.microsoft.com/office/drawing/2010/main">
-        <mc:Choice Requires="a14">
+      <mc:AlternateContent xmlns:mc="http://schemas.openxmlformats.org/markup-compatibility/2006">
+        <mc:Choice xmlns:a14="http://schemas.microsoft.com/office/drawing/2010/main" Requires="a14">
           <p:sp>
             <p:nvSpPr>
               <p:cNvPr id="3" name="Content Placeholder 2"/>
@@ -11857,6 +11801,13 @@
                 <a14:m>
                   <m:oMath xmlns:m="http://schemas.openxmlformats.org/officeDocument/2006/math">
                     <m:r>
+                      <a:rPr lang="en-US" b="0" i="0" smtClean="0">
+                        <a:latin typeface="Cambria Math" panose="02040503050406030204" pitchFamily="18" charset="0"/>
+                        <a:ea typeface="Cambria Math" panose="02040503050406030204" pitchFamily="18" charset="0"/>
+                      </a:rPr>
+                      <m:t>−</m:t>
+                    </m:r>
+                    <m:r>
                       <a:rPr lang="en-US" b="0" i="1" smtClean="0">
                         <a:latin typeface="Cambria Math" panose="02040503050406030204" pitchFamily="18" charset="0"/>
                         <a:ea typeface="Cambria Math" panose="02040503050406030204" pitchFamily="18" charset="0"/>
@@ -11910,7 +11861,7 @@
             </p:txBody>
           </p:sp>
         </mc:Choice>
-        <mc:Fallback xmlns="">
+        <mc:Fallback>
           <p:sp>
             <p:nvSpPr>
               <p:cNvPr id="3" name="Content Placeholder 2"/>
@@ -32759,7 +32710,15 @@
             </a:pPr>
             <a:r>
               <a:rPr lang="en-US" dirty="0"/>
-              <a:t>Suppose a particular type of batter has a voltage of 1.5V. If I put two batteries together what is the electric potential difference from the bottom of the first battery to the top of the second battery? </a:t>
+              <a:t>Suppose a particular type </a:t>
+            </a:r>
+            <a:r>
+              <a:rPr lang="en-US"/>
+              <a:t>of battery </a:t>
+            </a:r>
+            <a:r>
+              <a:rPr lang="en-US" dirty="0"/>
+              <a:t>has a voltage of 1.5V. If I put two batteries together what is the electric potential difference from the bottom of the first battery to the top of the second battery? </a:t>
             </a:r>
           </a:p>
           <a:p>
